--- a/01_home_idea/home_idea_shiun.pptx
+++ b/01_home_idea/home_idea_shiun.pptx
@@ -6,6 +6,8 @@
   </p:sldMasterIdLst>
   <p:sldIdLst>
     <p:sldId id="256" r:id="rId2"/>
+    <p:sldId id="257" r:id="rId3"/>
+    <p:sldId id="258" r:id="rId4"/>
   </p:sldIdLst>
   <p:sldSz cx="12192000" cy="6858000"/>
   <p:notesSz cx="6858000" cy="9144000"/>
@@ -259,7 +261,7 @@
           <a:p>
             <a:fld id="{89919957-206D-479E-989B-1EE1C344AF5E}" type="datetimeFigureOut">
               <a:rPr lang="zh-TW" altLang="en-US" smtClean="0"/>
-              <a:t>2020/12/22</a:t>
+              <a:t>2021/1/22</a:t>
             </a:fld>
             <a:endParaRPr lang="zh-TW" altLang="en-US"/>
           </a:p>
@@ -457,7 +459,7 @@
           <a:p>
             <a:fld id="{89919957-206D-479E-989B-1EE1C344AF5E}" type="datetimeFigureOut">
               <a:rPr lang="zh-TW" altLang="en-US" smtClean="0"/>
-              <a:t>2020/12/22</a:t>
+              <a:t>2021/1/22</a:t>
             </a:fld>
             <a:endParaRPr lang="zh-TW" altLang="en-US"/>
           </a:p>
@@ -665,7 +667,7 @@
           <a:p>
             <a:fld id="{89919957-206D-479E-989B-1EE1C344AF5E}" type="datetimeFigureOut">
               <a:rPr lang="zh-TW" altLang="en-US" smtClean="0"/>
-              <a:t>2020/12/22</a:t>
+              <a:t>2021/1/22</a:t>
             </a:fld>
             <a:endParaRPr lang="zh-TW" altLang="en-US"/>
           </a:p>
@@ -863,7 +865,7 @@
           <a:p>
             <a:fld id="{89919957-206D-479E-989B-1EE1C344AF5E}" type="datetimeFigureOut">
               <a:rPr lang="zh-TW" altLang="en-US" smtClean="0"/>
-              <a:t>2020/12/22</a:t>
+              <a:t>2021/1/22</a:t>
             </a:fld>
             <a:endParaRPr lang="zh-TW" altLang="en-US"/>
           </a:p>
@@ -1138,7 +1140,7 @@
           <a:p>
             <a:fld id="{89919957-206D-479E-989B-1EE1C344AF5E}" type="datetimeFigureOut">
               <a:rPr lang="zh-TW" altLang="en-US" smtClean="0"/>
-              <a:t>2020/12/22</a:t>
+              <a:t>2021/1/22</a:t>
             </a:fld>
             <a:endParaRPr lang="zh-TW" altLang="en-US"/>
           </a:p>
@@ -1403,7 +1405,7 @@
           <a:p>
             <a:fld id="{89919957-206D-479E-989B-1EE1C344AF5E}" type="datetimeFigureOut">
               <a:rPr lang="zh-TW" altLang="en-US" smtClean="0"/>
-              <a:t>2020/12/22</a:t>
+              <a:t>2021/1/22</a:t>
             </a:fld>
             <a:endParaRPr lang="zh-TW" altLang="en-US"/>
           </a:p>
@@ -1815,7 +1817,7 @@
           <a:p>
             <a:fld id="{89919957-206D-479E-989B-1EE1C344AF5E}" type="datetimeFigureOut">
               <a:rPr lang="zh-TW" altLang="en-US" smtClean="0"/>
-              <a:t>2020/12/22</a:t>
+              <a:t>2021/1/22</a:t>
             </a:fld>
             <a:endParaRPr lang="zh-TW" altLang="en-US"/>
           </a:p>
@@ -1956,7 +1958,7 @@
           <a:p>
             <a:fld id="{89919957-206D-479E-989B-1EE1C344AF5E}" type="datetimeFigureOut">
               <a:rPr lang="zh-TW" altLang="en-US" smtClean="0"/>
-              <a:t>2020/12/22</a:t>
+              <a:t>2021/1/22</a:t>
             </a:fld>
             <a:endParaRPr lang="zh-TW" altLang="en-US"/>
           </a:p>
@@ -2069,7 +2071,7 @@
           <a:p>
             <a:fld id="{89919957-206D-479E-989B-1EE1C344AF5E}" type="datetimeFigureOut">
               <a:rPr lang="zh-TW" altLang="en-US" smtClean="0"/>
-              <a:t>2020/12/22</a:t>
+              <a:t>2021/1/22</a:t>
             </a:fld>
             <a:endParaRPr lang="zh-TW" altLang="en-US"/>
           </a:p>
@@ -2380,7 +2382,7 @@
           <a:p>
             <a:fld id="{89919957-206D-479E-989B-1EE1C344AF5E}" type="datetimeFigureOut">
               <a:rPr lang="zh-TW" altLang="en-US" smtClean="0"/>
-              <a:t>2020/12/22</a:t>
+              <a:t>2021/1/22</a:t>
             </a:fld>
             <a:endParaRPr lang="zh-TW" altLang="en-US"/>
           </a:p>
@@ -2668,7 +2670,7 @@
           <a:p>
             <a:fld id="{89919957-206D-479E-989B-1EE1C344AF5E}" type="datetimeFigureOut">
               <a:rPr lang="zh-TW" altLang="en-US" smtClean="0"/>
-              <a:t>2020/12/22</a:t>
+              <a:t>2021/1/22</a:t>
             </a:fld>
             <a:endParaRPr lang="zh-TW" altLang="en-US"/>
           </a:p>
@@ -2909,7 +2911,7 @@
           <a:p>
             <a:fld id="{89919957-206D-479E-989B-1EE1C344AF5E}" type="datetimeFigureOut">
               <a:rPr lang="zh-TW" altLang="en-US" smtClean="0"/>
-              <a:t>2020/12/22</a:t>
+              <a:t>2021/1/22</a:t>
             </a:fld>
             <a:endParaRPr lang="zh-TW" altLang="en-US"/>
           </a:p>
@@ -4276,6 +4278,1038 @@
 </p:sld>
 </file>
 
+<file path=ppt/slides/slide2.xml><?xml version="1.0" encoding="utf-8"?>
+<p:sld xmlns:a="http://schemas.openxmlformats.org/drawingml/2006/main" xmlns:r="http://schemas.openxmlformats.org/officeDocument/2006/relationships" xmlns:p="http://schemas.openxmlformats.org/presentationml/2006/main">
+  <p:cSld>
+    <p:spTree>
+      <p:nvGrpSpPr>
+        <p:cNvPr id="1" name=""/>
+        <p:cNvGrpSpPr/>
+        <p:nvPr/>
+      </p:nvGrpSpPr>
+      <p:grpSpPr>
+        <a:xfrm>
+          <a:off x="0" y="0"/>
+          <a:ext cx="0" cy="0"/>
+          <a:chOff x="0" y="0"/>
+          <a:chExt cx="0" cy="0"/>
+        </a:xfrm>
+      </p:grpSpPr>
+      <p:pic>
+        <p:nvPicPr>
+          <p:cNvPr id="4" name="圖片 3"/>
+          <p:cNvPicPr>
+            <a:picLocks noChangeAspect="1"/>
+          </p:cNvPicPr>
+          <p:nvPr/>
+        </p:nvPicPr>
+        <p:blipFill>
+          <a:blip r:embed="rId2"/>
+          <a:stretch>
+            <a:fillRect/>
+          </a:stretch>
+        </p:blipFill>
+        <p:spPr>
+          <a:xfrm>
+            <a:off x="448911" y="365114"/>
+            <a:ext cx="1050242" cy="742718"/>
+          </a:xfrm>
+          <a:prstGeom prst="rect">
+            <a:avLst/>
+          </a:prstGeom>
+        </p:spPr>
+      </p:pic>
+      <p:sp>
+        <p:nvSpPr>
+          <p:cNvPr id="6" name="文字方塊 5"/>
+          <p:cNvSpPr txBox="1"/>
+          <p:nvPr/>
+        </p:nvSpPr>
+        <p:spPr>
+          <a:xfrm>
+            <a:off x="4411529" y="597973"/>
+            <a:ext cx="2954655" cy="276999"/>
+          </a:xfrm>
+          <a:prstGeom prst="rect">
+            <a:avLst/>
+          </a:prstGeom>
+          <a:noFill/>
+        </p:spPr>
+        <p:txBody>
+          <a:bodyPr wrap="none" rtlCol="0">
+            <a:spAutoFit/>
+          </a:bodyPr>
+          <a:lstStyle/>
+          <a:p>
+            <a:r>
+              <a:rPr lang="zh-TW" altLang="en-US" sz="1200" b="1" dirty="0" smtClean="0">
+                <a:solidFill>
+                  <a:schemeClr val="bg1">
+                    <a:lumMod val="65000"/>
+                  </a:schemeClr>
+                </a:solidFill>
+                <a:latin typeface="微軟正黑體" panose="020B0604030504040204" pitchFamily="34" charset="-120"/>
+                <a:ea typeface="微軟正黑體" panose="020B0604030504040204" pitchFamily="34" charset="-120"/>
+              </a:rPr>
+              <a:t>汪星人     喵星人     美容預約     獸醫諮詢 </a:t>
+            </a:r>
+            <a:endParaRPr lang="zh-TW" altLang="en-US" sz="1200" b="1" dirty="0">
+              <a:solidFill>
+                <a:schemeClr val="bg1">
+                  <a:lumMod val="65000"/>
+                </a:schemeClr>
+              </a:solidFill>
+              <a:latin typeface="微軟正黑體" panose="020B0604030504040204" pitchFamily="34" charset="-120"/>
+              <a:ea typeface="微軟正黑體" panose="020B0604030504040204" pitchFamily="34" charset="-120"/>
+            </a:endParaRPr>
+          </a:p>
+        </p:txBody>
+      </p:sp>
+      <p:sp>
+        <p:nvSpPr>
+          <p:cNvPr id="9" name="文字方塊 8"/>
+          <p:cNvSpPr txBox="1"/>
+          <p:nvPr/>
+        </p:nvSpPr>
+        <p:spPr>
+          <a:xfrm>
+            <a:off x="1090246" y="2169532"/>
+            <a:ext cx="4603889" cy="2308324"/>
+          </a:xfrm>
+          <a:prstGeom prst="rect">
+            <a:avLst/>
+          </a:prstGeom>
+          <a:noFill/>
+        </p:spPr>
+        <p:txBody>
+          <a:bodyPr wrap="none" rtlCol="0">
+            <a:spAutoFit/>
+          </a:bodyPr>
+          <a:lstStyle/>
+          <a:p>
+            <a:r>
+              <a:rPr lang="en-US" altLang="zh-TW" sz="4800" b="1" dirty="0">
+                <a:latin typeface="Arial Black" panose="020B0A04020102020204" pitchFamily="34" charset="0"/>
+              </a:rPr>
+              <a:t>What are </a:t>
+            </a:r>
+            <a:r>
+              <a:rPr lang="en-US" altLang="zh-TW" sz="4800" b="1" dirty="0" smtClean="0">
+                <a:latin typeface="Arial Black" panose="020B0A04020102020204" pitchFamily="34" charset="0"/>
+              </a:rPr>
+              <a:t>you</a:t>
+            </a:r>
+          </a:p>
+          <a:p>
+            <a:r>
+              <a:rPr lang="en-US" altLang="zh-TW" sz="4800" b="1" dirty="0" smtClean="0">
+                <a:latin typeface="Arial Black" panose="020B0A04020102020204" pitchFamily="34" charset="0"/>
+              </a:rPr>
+              <a:t>Waiting</a:t>
+            </a:r>
+          </a:p>
+          <a:p>
+            <a:r>
+              <a:rPr lang="en-US" altLang="zh-TW" sz="4800" b="1" dirty="0" smtClean="0">
+                <a:latin typeface="Arial Black" panose="020B0A04020102020204" pitchFamily="34" charset="0"/>
+              </a:rPr>
+              <a:t>for</a:t>
+            </a:r>
+            <a:r>
+              <a:rPr lang="en-US" altLang="zh-TW" sz="4800" b="1" dirty="0">
+                <a:solidFill>
+                  <a:schemeClr val="bg1">
+                    <a:lumMod val="65000"/>
+                  </a:schemeClr>
+                </a:solidFill>
+                <a:latin typeface="Arial Black" panose="020B0A04020102020204" pitchFamily="34" charset="0"/>
+              </a:rPr>
+              <a:t>?</a:t>
+            </a:r>
+            <a:endParaRPr lang="en-US" altLang="zh-TW" sz="4800" b="1" dirty="0" smtClean="0">
+              <a:solidFill>
+                <a:schemeClr val="bg1">
+                  <a:lumMod val="65000"/>
+                </a:schemeClr>
+              </a:solidFill>
+              <a:latin typeface="Arial Black" panose="020B0A04020102020204" pitchFamily="34" charset="0"/>
+            </a:endParaRPr>
+          </a:p>
+        </p:txBody>
+      </p:sp>
+      <p:sp>
+        <p:nvSpPr>
+          <p:cNvPr id="26" name="文字方塊 25">
+            <a:extLst>
+              <a:ext uri="{FF2B5EF4-FFF2-40B4-BE49-F238E27FC236}">
+                <a16:creationId xmlns:a16="http://schemas.microsoft.com/office/drawing/2014/main" id="{CAA49189-0079-48A6-943D-0C71EDCC9646}"/>
+              </a:ext>
+            </a:extLst>
+          </p:cNvPr>
+          <p:cNvSpPr txBox="1"/>
+          <p:nvPr/>
+        </p:nvSpPr>
+        <p:spPr>
+          <a:xfrm>
+            <a:off x="1090246" y="4584473"/>
+            <a:ext cx="4519246" cy="600164"/>
+          </a:xfrm>
+          <a:prstGeom prst="rect">
+            <a:avLst/>
+          </a:prstGeom>
+          <a:noFill/>
+        </p:spPr>
+        <p:txBody>
+          <a:bodyPr wrap="square" rtlCol="0">
+            <a:spAutoFit/>
+          </a:bodyPr>
+          <a:lstStyle/>
+          <a:p>
+            <a:r>
+              <a:rPr lang="zh-TW" altLang="en-US" sz="1600" dirty="0" smtClean="0">
+                <a:solidFill>
+                  <a:schemeClr val="bg1">
+                    <a:lumMod val="65000"/>
+                  </a:schemeClr>
+                </a:solidFill>
+                <a:latin typeface="微軟正黑體" panose="020B0604030504040204" pitchFamily="34" charset="-120"/>
+                <a:ea typeface="微軟正黑體" panose="020B0604030504040204" pitchFamily="34" charset="-120"/>
+              </a:rPr>
+              <a:t>和我們共同建立美好回憶，</a:t>
+            </a:r>
+            <a:endParaRPr lang="en-US" altLang="zh-TW" sz="1600" dirty="0" smtClean="0">
+              <a:solidFill>
+                <a:schemeClr val="bg1">
+                  <a:lumMod val="65000"/>
+                </a:schemeClr>
+              </a:solidFill>
+              <a:latin typeface="微軟正黑體" panose="020B0604030504040204" pitchFamily="34" charset="-120"/>
+              <a:ea typeface="微軟正黑體" panose="020B0604030504040204" pitchFamily="34" charset="-120"/>
+            </a:endParaRPr>
+          </a:p>
+          <a:p>
+            <a:r>
+              <a:rPr lang="zh-TW" altLang="en-US" sz="1600" dirty="0" smtClean="0">
+                <a:solidFill>
+                  <a:schemeClr val="bg1">
+                    <a:lumMod val="65000"/>
+                  </a:schemeClr>
+                </a:solidFill>
+                <a:latin typeface="微軟正黑體" panose="020B0604030504040204" pitchFamily="34" charset="-120"/>
+                <a:ea typeface="微軟正黑體" panose="020B0604030504040204" pitchFamily="34" charset="-120"/>
+              </a:rPr>
+              <a:t>            為</a:t>
+            </a:r>
+            <a:r>
+              <a:rPr lang="zh-TW" altLang="en-US" sz="1600" dirty="0">
+                <a:solidFill>
+                  <a:schemeClr val="bg1">
+                    <a:lumMod val="65000"/>
+                  </a:schemeClr>
+                </a:solidFill>
+                <a:latin typeface="微軟正黑體" panose="020B0604030504040204" pitchFamily="34" charset="-120"/>
+                <a:ea typeface="微軟正黑體" panose="020B0604030504040204" pitchFamily="34" charset="-120"/>
+              </a:rPr>
+              <a:t>生活帶來更多美好與愛。</a:t>
+            </a:r>
+          </a:p>
+        </p:txBody>
+      </p:sp>
+      <p:sp>
+        <p:nvSpPr>
+          <p:cNvPr id="28" name="圓角矩形 27"/>
+          <p:cNvSpPr/>
+          <p:nvPr/>
+        </p:nvSpPr>
+        <p:spPr>
+          <a:xfrm>
+            <a:off x="1090246" y="5398880"/>
+            <a:ext cx="1315029" cy="439613"/>
+          </a:xfrm>
+          <a:prstGeom prst="roundRect">
+            <a:avLst/>
+          </a:prstGeom>
+          <a:solidFill>
+            <a:schemeClr val="bg1">
+              <a:lumMod val="65000"/>
+            </a:schemeClr>
+          </a:solidFill>
+          <a:ln>
+            <a:solidFill>
+              <a:schemeClr val="bg1">
+                <a:lumMod val="65000"/>
+              </a:schemeClr>
+            </a:solidFill>
+          </a:ln>
+        </p:spPr>
+        <p:style>
+          <a:lnRef idx="2">
+            <a:schemeClr val="accent1">
+              <a:shade val="50000"/>
+            </a:schemeClr>
+          </a:lnRef>
+          <a:fillRef idx="1">
+            <a:schemeClr val="accent1"/>
+          </a:fillRef>
+          <a:effectRef idx="0">
+            <a:schemeClr val="accent1"/>
+          </a:effectRef>
+          <a:fontRef idx="minor">
+            <a:schemeClr val="lt1"/>
+          </a:fontRef>
+        </p:style>
+        <p:txBody>
+          <a:bodyPr rtlCol="0" anchor="ctr"/>
+          <a:lstStyle/>
+          <a:p>
+            <a:pPr algn="ctr"/>
+            <a:r>
+              <a:rPr lang="en-US" altLang="zh-TW" b="1" dirty="0" smtClean="0"/>
+              <a:t>About us</a:t>
+            </a:r>
+            <a:endParaRPr lang="zh-TW" altLang="en-US" b="1" dirty="0"/>
+          </a:p>
+        </p:txBody>
+      </p:sp>
+      <p:sp>
+        <p:nvSpPr>
+          <p:cNvPr id="29" name="圓角矩形 28"/>
+          <p:cNvSpPr/>
+          <p:nvPr/>
+        </p:nvSpPr>
+        <p:spPr>
+          <a:xfrm>
+            <a:off x="2797862" y="5398880"/>
+            <a:ext cx="1315029" cy="439613"/>
+          </a:xfrm>
+          <a:prstGeom prst="roundRect">
+            <a:avLst/>
+          </a:prstGeom>
+          <a:solidFill>
+            <a:schemeClr val="bg1">
+              <a:lumMod val="65000"/>
+            </a:schemeClr>
+          </a:solidFill>
+          <a:ln>
+            <a:solidFill>
+              <a:schemeClr val="bg1">
+                <a:lumMod val="65000"/>
+              </a:schemeClr>
+            </a:solidFill>
+          </a:ln>
+        </p:spPr>
+        <p:style>
+          <a:lnRef idx="2">
+            <a:schemeClr val="accent1">
+              <a:shade val="50000"/>
+            </a:schemeClr>
+          </a:lnRef>
+          <a:fillRef idx="1">
+            <a:schemeClr val="accent1"/>
+          </a:fillRef>
+          <a:effectRef idx="0">
+            <a:schemeClr val="accent1"/>
+          </a:effectRef>
+          <a:fontRef idx="minor">
+            <a:schemeClr val="lt1"/>
+          </a:fontRef>
+        </p:style>
+        <p:txBody>
+          <a:bodyPr rtlCol="0" anchor="ctr"/>
+          <a:lstStyle/>
+          <a:p>
+            <a:pPr algn="ctr"/>
+            <a:r>
+              <a:rPr lang="en-US" altLang="zh-TW" b="1" dirty="0"/>
+              <a:t>Support</a:t>
+            </a:r>
+            <a:endParaRPr lang="zh-TW" altLang="en-US" b="1" dirty="0"/>
+          </a:p>
+        </p:txBody>
+      </p:sp>
+      <p:grpSp>
+        <p:nvGrpSpPr>
+          <p:cNvPr id="2" name="群組 1"/>
+          <p:cNvGrpSpPr/>
+          <p:nvPr/>
+        </p:nvGrpSpPr>
+        <p:grpSpPr>
+          <a:xfrm>
+            <a:off x="7112975" y="1982860"/>
+            <a:ext cx="3068760" cy="4120537"/>
+            <a:chOff x="7112975" y="1982860"/>
+            <a:chExt cx="3068760" cy="4120537"/>
+          </a:xfrm>
+        </p:grpSpPr>
+        <p:sp>
+          <p:nvSpPr>
+            <p:cNvPr id="40" name="雲朵形圖說文字 39"/>
+            <p:cNvSpPr/>
+            <p:nvPr/>
+          </p:nvSpPr>
+          <p:spPr>
+            <a:xfrm rot="10800000">
+              <a:off x="7112975" y="4836851"/>
+              <a:ext cx="3068760" cy="1266546"/>
+            </a:xfrm>
+            <a:prstGeom prst="cloudCallout">
+              <a:avLst/>
+            </a:prstGeom>
+            <a:solidFill>
+              <a:schemeClr val="bg1">
+                <a:lumMod val="75000"/>
+              </a:schemeClr>
+            </a:solidFill>
+            <a:ln>
+              <a:solidFill>
+                <a:schemeClr val="bg1">
+                  <a:lumMod val="75000"/>
+                </a:schemeClr>
+              </a:solidFill>
+            </a:ln>
+          </p:spPr>
+          <p:style>
+            <a:lnRef idx="2">
+              <a:schemeClr val="accent1">
+                <a:shade val="50000"/>
+              </a:schemeClr>
+            </a:lnRef>
+            <a:fillRef idx="1">
+              <a:schemeClr val="accent1"/>
+            </a:fillRef>
+            <a:effectRef idx="0">
+              <a:schemeClr val="accent1"/>
+            </a:effectRef>
+            <a:fontRef idx="minor">
+              <a:schemeClr val="lt1"/>
+            </a:fontRef>
+          </p:style>
+          <p:txBody>
+            <a:bodyPr rtlCol="0" anchor="ctr"/>
+            <a:lstStyle/>
+            <a:p>
+              <a:pPr algn="ctr"/>
+              <a:endParaRPr lang="zh-TW" altLang="en-US"/>
+            </a:p>
+          </p:txBody>
+        </p:sp>
+        <p:pic>
+          <p:nvPicPr>
+            <p:cNvPr id="31" name="圖片 30"/>
+            <p:cNvPicPr>
+              <a:picLocks noChangeAspect="1"/>
+            </p:cNvPicPr>
+            <p:nvPr/>
+          </p:nvPicPr>
+          <p:blipFill>
+            <a:blip r:embed="rId3">
+              <a:extLst>
+                <a:ext uri="{BEBA8EAE-BF5A-486C-A8C5-ECC9F3942E4B}">
+                  <a14:imgProps xmlns:a14="http://schemas.microsoft.com/office/drawing/2010/main">
+                    <a14:imgLayer r:embed="rId4">
+                      <a14:imgEffect>
+                        <a14:backgroundRemoval t="4017" b="95845" l="10000" r="95294"/>
+                      </a14:imgEffect>
+                    </a14:imgLayer>
+                  </a14:imgProps>
+                </a:ext>
+                <a:ext uri="{28A0092B-C50C-407E-A947-70E740481C1C}">
+                  <a14:useLocalDpi xmlns:a14="http://schemas.microsoft.com/office/drawing/2010/main" val="0"/>
+                </a:ext>
+              </a:extLst>
+            </a:blip>
+            <a:stretch>
+              <a:fillRect/>
+            </a:stretch>
+          </p:blipFill>
+          <p:spPr>
+            <a:xfrm>
+              <a:off x="7268127" y="1982860"/>
+              <a:ext cx="2791824" cy="3952348"/>
+            </a:xfrm>
+            <a:prstGeom prst="rect">
+              <a:avLst/>
+            </a:prstGeom>
+          </p:spPr>
+        </p:pic>
+      </p:grpSp>
+      <p:grpSp>
+        <p:nvGrpSpPr>
+          <p:cNvPr id="15" name="群組 14"/>
+          <p:cNvGrpSpPr/>
+          <p:nvPr/>
+        </p:nvGrpSpPr>
+        <p:grpSpPr>
+          <a:xfrm>
+            <a:off x="10759275" y="588175"/>
+            <a:ext cx="284576" cy="394527"/>
+            <a:chOff x="6532685" y="3318702"/>
+            <a:chExt cx="914400" cy="1273252"/>
+          </a:xfrm>
+          <a:solidFill>
+            <a:schemeClr val="bg1">
+              <a:lumMod val="75000"/>
+            </a:schemeClr>
+          </a:solidFill>
+        </p:grpSpPr>
+        <p:sp>
+          <p:nvSpPr>
+            <p:cNvPr id="14" name="流程圖: 接點 13"/>
+            <p:cNvSpPr/>
+            <p:nvPr/>
+          </p:nvSpPr>
+          <p:spPr>
+            <a:xfrm>
+              <a:off x="6761285" y="3318702"/>
+              <a:ext cx="457200" cy="457200"/>
+            </a:xfrm>
+            <a:prstGeom prst="flowChartConnector">
+              <a:avLst/>
+            </a:prstGeom>
+            <a:grpFill/>
+            <a:ln>
+              <a:solidFill>
+                <a:schemeClr val="bg1">
+                  <a:lumMod val="65000"/>
+                </a:schemeClr>
+              </a:solidFill>
+            </a:ln>
+          </p:spPr>
+          <p:style>
+            <a:lnRef idx="2">
+              <a:schemeClr val="accent1">
+                <a:shade val="50000"/>
+              </a:schemeClr>
+            </a:lnRef>
+            <a:fillRef idx="1">
+              <a:schemeClr val="accent1"/>
+            </a:fillRef>
+            <a:effectRef idx="0">
+              <a:schemeClr val="accent1"/>
+            </a:effectRef>
+            <a:fontRef idx="minor">
+              <a:schemeClr val="lt1"/>
+            </a:fontRef>
+          </p:style>
+          <p:txBody>
+            <a:bodyPr rtlCol="0" anchor="ctr"/>
+            <a:lstStyle/>
+            <a:p>
+              <a:pPr algn="ctr"/>
+              <a:endParaRPr lang="zh-TW" altLang="en-US"/>
+            </a:p>
+          </p:txBody>
+        </p:sp>
+        <p:sp>
+          <p:nvSpPr>
+            <p:cNvPr id="13" name="套索 12"/>
+            <p:cNvSpPr/>
+            <p:nvPr/>
+          </p:nvSpPr>
+          <p:spPr>
+            <a:xfrm rot="6734564">
+              <a:off x="6532685" y="3677554"/>
+              <a:ext cx="914400" cy="914400"/>
+            </a:xfrm>
+            <a:prstGeom prst="chord">
+              <a:avLst/>
+            </a:prstGeom>
+            <a:grpFill/>
+            <a:ln>
+              <a:noFill/>
+            </a:ln>
+          </p:spPr>
+          <p:style>
+            <a:lnRef idx="2">
+              <a:schemeClr val="accent1">
+                <a:shade val="50000"/>
+              </a:schemeClr>
+            </a:lnRef>
+            <a:fillRef idx="1">
+              <a:schemeClr val="accent1"/>
+            </a:fillRef>
+            <a:effectRef idx="0">
+              <a:schemeClr val="accent1"/>
+            </a:effectRef>
+            <a:fontRef idx="minor">
+              <a:schemeClr val="lt1"/>
+            </a:fontRef>
+          </p:style>
+          <p:txBody>
+            <a:bodyPr rtlCol="0" anchor="ctr"/>
+            <a:lstStyle/>
+            <a:p>
+              <a:pPr algn="ctr"/>
+              <a:endParaRPr lang="zh-TW" altLang="en-US"/>
+            </a:p>
+          </p:txBody>
+        </p:sp>
+      </p:grpSp>
+      <p:grpSp>
+        <p:nvGrpSpPr>
+          <p:cNvPr id="25" name="群組 24"/>
+          <p:cNvGrpSpPr/>
+          <p:nvPr/>
+        </p:nvGrpSpPr>
+        <p:grpSpPr>
+          <a:xfrm>
+            <a:off x="11208385" y="589569"/>
+            <a:ext cx="274370" cy="293806"/>
+            <a:chOff x="2338755" y="2074984"/>
+            <a:chExt cx="325315" cy="553916"/>
+          </a:xfrm>
+          <a:solidFill>
+            <a:schemeClr val="bg1">
+              <a:lumMod val="65000"/>
+            </a:schemeClr>
+          </a:solidFill>
+        </p:grpSpPr>
+        <p:sp>
+          <p:nvSpPr>
+            <p:cNvPr id="27" name="矩形 26"/>
+            <p:cNvSpPr/>
+            <p:nvPr/>
+          </p:nvSpPr>
+          <p:spPr>
+            <a:xfrm>
+              <a:off x="2338755" y="2259624"/>
+              <a:ext cx="325315" cy="369276"/>
+            </a:xfrm>
+            <a:prstGeom prst="rect">
+              <a:avLst/>
+            </a:prstGeom>
+            <a:grpFill/>
+            <a:ln>
+              <a:solidFill>
+                <a:schemeClr val="bg1">
+                  <a:lumMod val="65000"/>
+                </a:schemeClr>
+              </a:solidFill>
+            </a:ln>
+          </p:spPr>
+          <p:style>
+            <a:lnRef idx="2">
+              <a:schemeClr val="accent1">
+                <a:shade val="50000"/>
+              </a:schemeClr>
+            </a:lnRef>
+            <a:fillRef idx="1">
+              <a:schemeClr val="accent1"/>
+            </a:fillRef>
+            <a:effectRef idx="0">
+              <a:schemeClr val="accent1"/>
+            </a:effectRef>
+            <a:fontRef idx="minor">
+              <a:schemeClr val="lt1"/>
+            </a:fontRef>
+          </p:style>
+          <p:txBody>
+            <a:bodyPr rtlCol="0" anchor="ctr"/>
+            <a:lstStyle/>
+            <a:p>
+              <a:pPr algn="ctr"/>
+              <a:endParaRPr lang="zh-TW" altLang="en-US" sz="1400" b="1" dirty="0"/>
+            </a:p>
+          </p:txBody>
+        </p:sp>
+        <p:sp>
+          <p:nvSpPr>
+            <p:cNvPr id="30" name="拱形 29"/>
+            <p:cNvSpPr/>
+            <p:nvPr/>
+          </p:nvSpPr>
+          <p:spPr>
+            <a:xfrm>
+              <a:off x="2391508" y="2074984"/>
+              <a:ext cx="228600" cy="369277"/>
+            </a:xfrm>
+            <a:prstGeom prst="blockArc">
+              <a:avLst/>
+            </a:prstGeom>
+            <a:grpFill/>
+            <a:ln>
+              <a:solidFill>
+                <a:schemeClr val="bg1">
+                  <a:lumMod val="65000"/>
+                </a:schemeClr>
+              </a:solidFill>
+            </a:ln>
+          </p:spPr>
+          <p:style>
+            <a:lnRef idx="2">
+              <a:schemeClr val="accent1">
+                <a:shade val="50000"/>
+              </a:schemeClr>
+            </a:lnRef>
+            <a:fillRef idx="1">
+              <a:schemeClr val="accent1"/>
+            </a:fillRef>
+            <a:effectRef idx="0">
+              <a:schemeClr val="accent1"/>
+            </a:effectRef>
+            <a:fontRef idx="minor">
+              <a:schemeClr val="lt1"/>
+            </a:fontRef>
+          </p:style>
+          <p:txBody>
+            <a:bodyPr rtlCol="0" anchor="ctr"/>
+            <a:lstStyle/>
+            <a:p>
+              <a:pPr algn="ctr"/>
+              <a:endParaRPr lang="zh-TW" altLang="en-US">
+                <a:solidFill>
+                  <a:schemeClr val="tx1"/>
+                </a:solidFill>
+              </a:endParaRPr>
+            </a:p>
+          </p:txBody>
+        </p:sp>
+      </p:grpSp>
+    </p:spTree>
+    <p:extLst>
+      <p:ext uri="{BB962C8B-B14F-4D97-AF65-F5344CB8AC3E}">
+        <p14:creationId xmlns:p14="http://schemas.microsoft.com/office/powerpoint/2010/main" val="1146948509"/>
+      </p:ext>
+    </p:extLst>
+  </p:cSld>
+  <p:clrMapOvr>
+    <a:masterClrMapping/>
+  </p:clrMapOvr>
+</p:sld>
+</file>
+
+<file path=ppt/slides/slide3.xml><?xml version="1.0" encoding="utf-8"?>
+<p:sld xmlns:a="http://schemas.openxmlformats.org/drawingml/2006/main" xmlns:r="http://schemas.openxmlformats.org/officeDocument/2006/relationships" xmlns:p="http://schemas.openxmlformats.org/presentationml/2006/main">
+  <p:cSld>
+    <p:spTree>
+      <p:nvGrpSpPr>
+        <p:cNvPr id="1" name=""/>
+        <p:cNvGrpSpPr/>
+        <p:nvPr/>
+      </p:nvGrpSpPr>
+      <p:grpSpPr>
+        <a:xfrm>
+          <a:off x="0" y="0"/>
+          <a:ext cx="0" cy="0"/>
+          <a:chOff x="0" y="0"/>
+          <a:chExt cx="0" cy="0"/>
+        </a:xfrm>
+      </p:grpSpPr>
+      <p:pic>
+        <p:nvPicPr>
+          <p:cNvPr id="2" name="圖片 1"/>
+          <p:cNvPicPr>
+            <a:picLocks noChangeAspect="1"/>
+          </p:cNvPicPr>
+          <p:nvPr/>
+        </p:nvPicPr>
+        <p:blipFill>
+          <a:blip r:embed="rId2"/>
+          <a:stretch>
+            <a:fillRect/>
+          </a:stretch>
+        </p:blipFill>
+        <p:spPr>
+          <a:xfrm>
+            <a:off x="448911" y="365114"/>
+            <a:ext cx="1050242" cy="742718"/>
+          </a:xfrm>
+          <a:prstGeom prst="rect">
+            <a:avLst/>
+          </a:prstGeom>
+        </p:spPr>
+      </p:pic>
+      <p:sp>
+        <p:nvSpPr>
+          <p:cNvPr id="3" name="文字方塊 2"/>
+          <p:cNvSpPr txBox="1"/>
+          <p:nvPr/>
+        </p:nvSpPr>
+        <p:spPr>
+          <a:xfrm>
+            <a:off x="4411529" y="597973"/>
+            <a:ext cx="2954655" cy="276999"/>
+          </a:xfrm>
+          <a:prstGeom prst="rect">
+            <a:avLst/>
+          </a:prstGeom>
+          <a:noFill/>
+        </p:spPr>
+        <p:txBody>
+          <a:bodyPr wrap="none" rtlCol="0">
+            <a:spAutoFit/>
+          </a:bodyPr>
+          <a:lstStyle/>
+          <a:p>
+            <a:r>
+              <a:rPr lang="zh-TW" altLang="en-US" sz="1200" b="1" dirty="0" smtClean="0">
+                <a:solidFill>
+                  <a:schemeClr val="bg1">
+                    <a:lumMod val="65000"/>
+                  </a:schemeClr>
+                </a:solidFill>
+                <a:latin typeface="微軟正黑體" panose="020B0604030504040204" pitchFamily="34" charset="-120"/>
+                <a:ea typeface="微軟正黑體" panose="020B0604030504040204" pitchFamily="34" charset="-120"/>
+              </a:rPr>
+              <a:t>汪星人     喵星人     美容預約     獸醫諮詢 </a:t>
+            </a:r>
+            <a:endParaRPr lang="zh-TW" altLang="en-US" sz="1200" b="1" dirty="0">
+              <a:solidFill>
+                <a:schemeClr val="bg1">
+                  <a:lumMod val="65000"/>
+                </a:schemeClr>
+              </a:solidFill>
+              <a:latin typeface="微軟正黑體" panose="020B0604030504040204" pitchFamily="34" charset="-120"/>
+              <a:ea typeface="微軟正黑體" panose="020B0604030504040204" pitchFamily="34" charset="-120"/>
+            </a:endParaRPr>
+          </a:p>
+        </p:txBody>
+      </p:sp>
+      <p:grpSp>
+        <p:nvGrpSpPr>
+          <p:cNvPr id="4" name="群組 3"/>
+          <p:cNvGrpSpPr/>
+          <p:nvPr/>
+        </p:nvGrpSpPr>
+        <p:grpSpPr>
+          <a:xfrm>
+            <a:off x="10759275" y="588175"/>
+            <a:ext cx="284576" cy="394527"/>
+            <a:chOff x="6532685" y="3318702"/>
+            <a:chExt cx="914400" cy="1273252"/>
+          </a:xfrm>
+          <a:solidFill>
+            <a:schemeClr val="bg1">
+              <a:lumMod val="75000"/>
+            </a:schemeClr>
+          </a:solidFill>
+        </p:grpSpPr>
+        <p:sp>
+          <p:nvSpPr>
+            <p:cNvPr id="5" name="流程圖: 接點 4"/>
+            <p:cNvSpPr/>
+            <p:nvPr/>
+          </p:nvSpPr>
+          <p:spPr>
+            <a:xfrm>
+              <a:off x="6761285" y="3318702"/>
+              <a:ext cx="457200" cy="457200"/>
+            </a:xfrm>
+            <a:prstGeom prst="flowChartConnector">
+              <a:avLst/>
+            </a:prstGeom>
+            <a:grpFill/>
+            <a:ln>
+              <a:solidFill>
+                <a:schemeClr val="bg1">
+                  <a:lumMod val="65000"/>
+                </a:schemeClr>
+              </a:solidFill>
+            </a:ln>
+          </p:spPr>
+          <p:style>
+            <a:lnRef idx="2">
+              <a:schemeClr val="accent1">
+                <a:shade val="50000"/>
+              </a:schemeClr>
+            </a:lnRef>
+            <a:fillRef idx="1">
+              <a:schemeClr val="accent1"/>
+            </a:fillRef>
+            <a:effectRef idx="0">
+              <a:schemeClr val="accent1"/>
+            </a:effectRef>
+            <a:fontRef idx="minor">
+              <a:schemeClr val="lt1"/>
+            </a:fontRef>
+          </p:style>
+          <p:txBody>
+            <a:bodyPr rtlCol="0" anchor="ctr"/>
+            <a:lstStyle/>
+            <a:p>
+              <a:pPr algn="ctr"/>
+              <a:endParaRPr lang="zh-TW" altLang="en-US"/>
+            </a:p>
+          </p:txBody>
+        </p:sp>
+        <p:sp>
+          <p:nvSpPr>
+            <p:cNvPr id="6" name="套索 5"/>
+            <p:cNvSpPr/>
+            <p:nvPr/>
+          </p:nvSpPr>
+          <p:spPr>
+            <a:xfrm rot="6734564">
+              <a:off x="6532685" y="3677554"/>
+              <a:ext cx="914400" cy="914400"/>
+            </a:xfrm>
+            <a:prstGeom prst="chord">
+              <a:avLst/>
+            </a:prstGeom>
+            <a:grpFill/>
+            <a:ln>
+              <a:noFill/>
+            </a:ln>
+          </p:spPr>
+          <p:style>
+            <a:lnRef idx="2">
+              <a:schemeClr val="accent1">
+                <a:shade val="50000"/>
+              </a:schemeClr>
+            </a:lnRef>
+            <a:fillRef idx="1">
+              <a:schemeClr val="accent1"/>
+            </a:fillRef>
+            <a:effectRef idx="0">
+              <a:schemeClr val="accent1"/>
+            </a:effectRef>
+            <a:fontRef idx="minor">
+              <a:schemeClr val="lt1"/>
+            </a:fontRef>
+          </p:style>
+          <p:txBody>
+            <a:bodyPr rtlCol="0" anchor="ctr"/>
+            <a:lstStyle/>
+            <a:p>
+              <a:pPr algn="ctr"/>
+              <a:endParaRPr lang="zh-TW" altLang="en-US"/>
+            </a:p>
+          </p:txBody>
+        </p:sp>
+      </p:grpSp>
+      <p:grpSp>
+        <p:nvGrpSpPr>
+          <p:cNvPr id="7" name="群組 6"/>
+          <p:cNvGrpSpPr/>
+          <p:nvPr/>
+        </p:nvGrpSpPr>
+        <p:grpSpPr>
+          <a:xfrm>
+            <a:off x="11208385" y="589569"/>
+            <a:ext cx="274370" cy="293806"/>
+            <a:chOff x="2338755" y="2074984"/>
+            <a:chExt cx="325315" cy="553916"/>
+          </a:xfrm>
+          <a:solidFill>
+            <a:schemeClr val="bg1">
+              <a:lumMod val="65000"/>
+            </a:schemeClr>
+          </a:solidFill>
+        </p:grpSpPr>
+        <p:sp>
+          <p:nvSpPr>
+            <p:cNvPr id="8" name="矩形 7"/>
+            <p:cNvSpPr/>
+            <p:nvPr/>
+          </p:nvSpPr>
+          <p:spPr>
+            <a:xfrm>
+              <a:off x="2338755" y="2259624"/>
+              <a:ext cx="325315" cy="369276"/>
+            </a:xfrm>
+            <a:prstGeom prst="rect">
+              <a:avLst/>
+            </a:prstGeom>
+            <a:grpFill/>
+            <a:ln>
+              <a:solidFill>
+                <a:schemeClr val="bg1">
+                  <a:lumMod val="65000"/>
+                </a:schemeClr>
+              </a:solidFill>
+            </a:ln>
+          </p:spPr>
+          <p:style>
+            <a:lnRef idx="2">
+              <a:schemeClr val="accent1">
+                <a:shade val="50000"/>
+              </a:schemeClr>
+            </a:lnRef>
+            <a:fillRef idx="1">
+              <a:schemeClr val="accent1"/>
+            </a:fillRef>
+            <a:effectRef idx="0">
+              <a:schemeClr val="accent1"/>
+            </a:effectRef>
+            <a:fontRef idx="minor">
+              <a:schemeClr val="lt1"/>
+            </a:fontRef>
+          </p:style>
+          <p:txBody>
+            <a:bodyPr rtlCol="0" anchor="ctr"/>
+            <a:lstStyle/>
+            <a:p>
+              <a:pPr algn="ctr"/>
+              <a:endParaRPr lang="zh-TW" altLang="en-US" sz="1400" b="1" dirty="0"/>
+            </a:p>
+          </p:txBody>
+        </p:sp>
+        <p:sp>
+          <p:nvSpPr>
+            <p:cNvPr id="9" name="拱形 8"/>
+            <p:cNvSpPr/>
+            <p:nvPr/>
+          </p:nvSpPr>
+          <p:spPr>
+            <a:xfrm>
+              <a:off x="2391508" y="2074984"/>
+              <a:ext cx="228600" cy="369277"/>
+            </a:xfrm>
+            <a:prstGeom prst="blockArc">
+              <a:avLst/>
+            </a:prstGeom>
+            <a:grpFill/>
+            <a:ln>
+              <a:solidFill>
+                <a:schemeClr val="bg1">
+                  <a:lumMod val="65000"/>
+                </a:schemeClr>
+              </a:solidFill>
+            </a:ln>
+          </p:spPr>
+          <p:style>
+            <a:lnRef idx="2">
+              <a:schemeClr val="accent1">
+                <a:shade val="50000"/>
+              </a:schemeClr>
+            </a:lnRef>
+            <a:fillRef idx="1">
+              <a:schemeClr val="accent1"/>
+            </a:fillRef>
+            <a:effectRef idx="0">
+              <a:schemeClr val="accent1"/>
+            </a:effectRef>
+            <a:fontRef idx="minor">
+              <a:schemeClr val="lt1"/>
+            </a:fontRef>
+          </p:style>
+          <p:txBody>
+            <a:bodyPr rtlCol="0" anchor="ctr"/>
+            <a:lstStyle/>
+            <a:p>
+              <a:pPr algn="ctr"/>
+              <a:endParaRPr lang="zh-TW" altLang="en-US">
+                <a:solidFill>
+                  <a:schemeClr val="tx1"/>
+                </a:solidFill>
+              </a:endParaRPr>
+            </a:p>
+          </p:txBody>
+        </p:sp>
+      </p:grpSp>
+    </p:spTree>
+    <p:extLst>
+      <p:ext uri="{BB962C8B-B14F-4D97-AF65-F5344CB8AC3E}">
+        <p14:creationId xmlns:p14="http://schemas.microsoft.com/office/powerpoint/2010/main" val="1902038425"/>
+      </p:ext>
+    </p:extLst>
+  </p:cSld>
+  <p:clrMapOvr>
+    <a:masterClrMapping/>
+  </p:clrMapOvr>
+</p:sld>
+</file>
+
 <file path=ppt/theme/theme1.xml><?xml version="1.0" encoding="utf-8"?>
 <a:theme xmlns:a="http://schemas.openxmlformats.org/drawingml/2006/main" name="Office 佈景主題">
   <a:themeElements>

--- a/01_home_idea/home_idea_shiun.pptx
+++ b/01_home_idea/home_idea_shiun.pptx
@@ -261,7 +261,7 @@
           <a:p>
             <a:fld id="{89919957-206D-479E-989B-1EE1C344AF5E}" type="datetimeFigureOut">
               <a:rPr lang="zh-TW" altLang="en-US" smtClean="0"/>
-              <a:t>2021/1/22</a:t>
+              <a:t>2021/1/23</a:t>
             </a:fld>
             <a:endParaRPr lang="zh-TW" altLang="en-US"/>
           </a:p>
@@ -459,7 +459,7 @@
           <a:p>
             <a:fld id="{89919957-206D-479E-989B-1EE1C344AF5E}" type="datetimeFigureOut">
               <a:rPr lang="zh-TW" altLang="en-US" smtClean="0"/>
-              <a:t>2021/1/22</a:t>
+              <a:t>2021/1/23</a:t>
             </a:fld>
             <a:endParaRPr lang="zh-TW" altLang="en-US"/>
           </a:p>
@@ -667,7 +667,7 @@
           <a:p>
             <a:fld id="{89919957-206D-479E-989B-1EE1C344AF5E}" type="datetimeFigureOut">
               <a:rPr lang="zh-TW" altLang="en-US" smtClean="0"/>
-              <a:t>2021/1/22</a:t>
+              <a:t>2021/1/23</a:t>
             </a:fld>
             <a:endParaRPr lang="zh-TW" altLang="en-US"/>
           </a:p>
@@ -865,7 +865,7 @@
           <a:p>
             <a:fld id="{89919957-206D-479E-989B-1EE1C344AF5E}" type="datetimeFigureOut">
               <a:rPr lang="zh-TW" altLang="en-US" smtClean="0"/>
-              <a:t>2021/1/22</a:t>
+              <a:t>2021/1/23</a:t>
             </a:fld>
             <a:endParaRPr lang="zh-TW" altLang="en-US"/>
           </a:p>
@@ -1140,7 +1140,7 @@
           <a:p>
             <a:fld id="{89919957-206D-479E-989B-1EE1C344AF5E}" type="datetimeFigureOut">
               <a:rPr lang="zh-TW" altLang="en-US" smtClean="0"/>
-              <a:t>2021/1/22</a:t>
+              <a:t>2021/1/23</a:t>
             </a:fld>
             <a:endParaRPr lang="zh-TW" altLang="en-US"/>
           </a:p>
@@ -1405,7 +1405,7 @@
           <a:p>
             <a:fld id="{89919957-206D-479E-989B-1EE1C344AF5E}" type="datetimeFigureOut">
               <a:rPr lang="zh-TW" altLang="en-US" smtClean="0"/>
-              <a:t>2021/1/22</a:t>
+              <a:t>2021/1/23</a:t>
             </a:fld>
             <a:endParaRPr lang="zh-TW" altLang="en-US"/>
           </a:p>
@@ -1817,7 +1817,7 @@
           <a:p>
             <a:fld id="{89919957-206D-479E-989B-1EE1C344AF5E}" type="datetimeFigureOut">
               <a:rPr lang="zh-TW" altLang="en-US" smtClean="0"/>
-              <a:t>2021/1/22</a:t>
+              <a:t>2021/1/23</a:t>
             </a:fld>
             <a:endParaRPr lang="zh-TW" altLang="en-US"/>
           </a:p>
@@ -1958,7 +1958,7 @@
           <a:p>
             <a:fld id="{89919957-206D-479E-989B-1EE1C344AF5E}" type="datetimeFigureOut">
               <a:rPr lang="zh-TW" altLang="en-US" smtClean="0"/>
-              <a:t>2021/1/22</a:t>
+              <a:t>2021/1/23</a:t>
             </a:fld>
             <a:endParaRPr lang="zh-TW" altLang="en-US"/>
           </a:p>
@@ -2071,7 +2071,7 @@
           <a:p>
             <a:fld id="{89919957-206D-479E-989B-1EE1C344AF5E}" type="datetimeFigureOut">
               <a:rPr lang="zh-TW" altLang="en-US" smtClean="0"/>
-              <a:t>2021/1/22</a:t>
+              <a:t>2021/1/23</a:t>
             </a:fld>
             <a:endParaRPr lang="zh-TW" altLang="en-US"/>
           </a:p>
@@ -2382,7 +2382,7 @@
           <a:p>
             <a:fld id="{89919957-206D-479E-989B-1EE1C344AF5E}" type="datetimeFigureOut">
               <a:rPr lang="zh-TW" altLang="en-US" smtClean="0"/>
-              <a:t>2021/1/22</a:t>
+              <a:t>2021/1/23</a:t>
             </a:fld>
             <a:endParaRPr lang="zh-TW" altLang="en-US"/>
           </a:p>
@@ -2670,7 +2670,7 @@
           <a:p>
             <a:fld id="{89919957-206D-479E-989B-1EE1C344AF5E}" type="datetimeFigureOut">
               <a:rPr lang="zh-TW" altLang="en-US" smtClean="0"/>
-              <a:t>2021/1/22</a:t>
+              <a:t>2021/1/23</a:t>
             </a:fld>
             <a:endParaRPr lang="zh-TW" altLang="en-US"/>
           </a:p>
@@ -2911,7 +2911,7 @@
           <a:p>
             <a:fld id="{89919957-206D-479E-989B-1EE1C344AF5E}" type="datetimeFigureOut">
               <a:rPr lang="zh-TW" altLang="en-US" smtClean="0"/>
-              <a:t>2021/1/22</a:t>
+              <a:t>2021/1/23</a:t>
             </a:fld>
             <a:endParaRPr lang="zh-TW" altLang="en-US"/>
           </a:p>
@@ -4416,7 +4416,7 @@
               <a:t>for</a:t>
             </a:r>
             <a:r>
-              <a:rPr lang="en-US" altLang="zh-TW" sz="4800" b="1" dirty="0">
+              <a:rPr lang="en-US" altLang="zh-TW" sz="4800" b="1" dirty="0" smtClean="0">
                 <a:solidFill>
                   <a:schemeClr val="bg1">
                     <a:lumMod val="65000"/>
@@ -4627,112 +4627,6 @@
           </a:p>
         </p:txBody>
       </p:sp>
-      <p:grpSp>
-        <p:nvGrpSpPr>
-          <p:cNvPr id="2" name="群組 1"/>
-          <p:cNvGrpSpPr/>
-          <p:nvPr/>
-        </p:nvGrpSpPr>
-        <p:grpSpPr>
-          <a:xfrm>
-            <a:off x="7112975" y="1982860"/>
-            <a:ext cx="3068760" cy="4120537"/>
-            <a:chOff x="7112975" y="1982860"/>
-            <a:chExt cx="3068760" cy="4120537"/>
-          </a:xfrm>
-        </p:grpSpPr>
-        <p:sp>
-          <p:nvSpPr>
-            <p:cNvPr id="40" name="雲朵形圖說文字 39"/>
-            <p:cNvSpPr/>
-            <p:nvPr/>
-          </p:nvSpPr>
-          <p:spPr>
-            <a:xfrm rot="10800000">
-              <a:off x="7112975" y="4836851"/>
-              <a:ext cx="3068760" cy="1266546"/>
-            </a:xfrm>
-            <a:prstGeom prst="cloudCallout">
-              <a:avLst/>
-            </a:prstGeom>
-            <a:solidFill>
-              <a:schemeClr val="bg1">
-                <a:lumMod val="75000"/>
-              </a:schemeClr>
-            </a:solidFill>
-            <a:ln>
-              <a:solidFill>
-                <a:schemeClr val="bg1">
-                  <a:lumMod val="75000"/>
-                </a:schemeClr>
-              </a:solidFill>
-            </a:ln>
-          </p:spPr>
-          <p:style>
-            <a:lnRef idx="2">
-              <a:schemeClr val="accent1">
-                <a:shade val="50000"/>
-              </a:schemeClr>
-            </a:lnRef>
-            <a:fillRef idx="1">
-              <a:schemeClr val="accent1"/>
-            </a:fillRef>
-            <a:effectRef idx="0">
-              <a:schemeClr val="accent1"/>
-            </a:effectRef>
-            <a:fontRef idx="minor">
-              <a:schemeClr val="lt1"/>
-            </a:fontRef>
-          </p:style>
-          <p:txBody>
-            <a:bodyPr rtlCol="0" anchor="ctr"/>
-            <a:lstStyle/>
-            <a:p>
-              <a:pPr algn="ctr"/>
-              <a:endParaRPr lang="zh-TW" altLang="en-US"/>
-            </a:p>
-          </p:txBody>
-        </p:sp>
-        <p:pic>
-          <p:nvPicPr>
-            <p:cNvPr id="31" name="圖片 30"/>
-            <p:cNvPicPr>
-              <a:picLocks noChangeAspect="1"/>
-            </p:cNvPicPr>
-            <p:nvPr/>
-          </p:nvPicPr>
-          <p:blipFill>
-            <a:blip r:embed="rId3">
-              <a:extLst>
-                <a:ext uri="{BEBA8EAE-BF5A-486C-A8C5-ECC9F3942E4B}">
-                  <a14:imgProps xmlns:a14="http://schemas.microsoft.com/office/drawing/2010/main">
-                    <a14:imgLayer r:embed="rId4">
-                      <a14:imgEffect>
-                        <a14:backgroundRemoval t="4017" b="95845" l="10000" r="95294"/>
-                      </a14:imgEffect>
-                    </a14:imgLayer>
-                  </a14:imgProps>
-                </a:ext>
-                <a:ext uri="{28A0092B-C50C-407E-A947-70E740481C1C}">
-                  <a14:useLocalDpi xmlns:a14="http://schemas.microsoft.com/office/drawing/2010/main" val="0"/>
-                </a:ext>
-              </a:extLst>
-            </a:blip>
-            <a:stretch>
-              <a:fillRect/>
-            </a:stretch>
-          </p:blipFill>
-          <p:spPr>
-            <a:xfrm>
-              <a:off x="7268127" y="1982860"/>
-              <a:ext cx="2791824" cy="3952348"/>
-            </a:xfrm>
-            <a:prstGeom prst="rect">
-              <a:avLst/>
-            </a:prstGeom>
-          </p:spPr>
-        </p:pic>
-      </p:grpSp>
       <p:grpSp>
         <p:nvGrpSpPr>
           <p:cNvPr id="15" name="群組 14"/>
@@ -4965,6 +4859,80 @@
           </p:txBody>
         </p:sp>
       </p:grpSp>
+      <p:pic>
+        <p:nvPicPr>
+          <p:cNvPr id="8" name="圖片 7"/>
+          <p:cNvPicPr>
+            <a:picLocks noChangeAspect="1"/>
+          </p:cNvPicPr>
+          <p:nvPr/>
+        </p:nvPicPr>
+        <p:blipFill>
+          <a:blip r:embed="rId3" cstate="print">
+            <a:extLst>
+              <a:ext uri="{28A0092B-C50C-407E-A947-70E740481C1C}">
+                <a14:useLocalDpi xmlns:a14="http://schemas.microsoft.com/office/drawing/2010/main" val="0"/>
+              </a:ext>
+            </a:extLst>
+          </a:blip>
+          <a:stretch>
+            <a:fillRect/>
+          </a:stretch>
+        </p:blipFill>
+        <p:spPr>
+          <a:xfrm>
+            <a:off x="7265377" y="2268416"/>
+            <a:ext cx="3297115" cy="3297115"/>
+          </a:xfrm>
+          <a:prstGeom prst="rect">
+            <a:avLst/>
+          </a:prstGeom>
+        </p:spPr>
+      </p:pic>
+      <p:sp>
+        <p:nvSpPr>
+          <p:cNvPr id="10" name="文字方塊 9"/>
+          <p:cNvSpPr txBox="1"/>
+          <p:nvPr/>
+        </p:nvSpPr>
+        <p:spPr>
+          <a:xfrm>
+            <a:off x="10562492" y="3085976"/>
+            <a:ext cx="561372" cy="830997"/>
+          </a:xfrm>
+          <a:prstGeom prst="rect">
+            <a:avLst/>
+          </a:prstGeom>
+          <a:noFill/>
+        </p:spPr>
+        <p:txBody>
+          <a:bodyPr wrap="none" rtlCol="0">
+            <a:spAutoFit/>
+          </a:bodyPr>
+          <a:lstStyle/>
+          <a:p>
+            <a:r>
+              <a:rPr lang="en-US" altLang="zh-TW" sz="4800" b="1" dirty="0" smtClean="0">
+                <a:solidFill>
+                  <a:schemeClr val="bg1">
+                    <a:lumMod val="65000"/>
+                  </a:schemeClr>
+                </a:solidFill>
+                <a:latin typeface="Arial Black" panose="020B0A04020102020204" pitchFamily="34" charset="0"/>
+              </a:rPr>
+              <a:t>?</a:t>
+            </a:r>
+            <a:endParaRPr lang="zh-TW" altLang="en-US" sz="4800" b="1" dirty="0">
+              <a:solidFill>
+                <a:schemeClr val="bg1">
+                  <a:lumMod val="65000"/>
+                </a:schemeClr>
+              </a:solidFill>
+              <a:latin typeface="Arial Black" panose="020B0A04020102020204" pitchFamily="34" charset="0"/>
+            </a:endParaRPr>
+          </a:p>
+        </p:txBody>
+      </p:sp>
     </p:spTree>
     <p:extLst>
       <p:ext uri="{BB962C8B-B14F-4D97-AF65-F5344CB8AC3E}">
